--- a/기본프로그래밍_Java_07.pptx
+++ b/기본프로그래밍_Java_07.pptx
@@ -33,16 +33,16 @@
       <p:boldItalic r:id="rId19"/>
     </p:embeddedFont>
     <p:embeddedFont>
-      <p:font typeface="맑은 고딕" panose="020B0503020000020004" pitchFamily="50" charset="-127"/>
+      <p:font typeface="Helvetica Neue" panose="020B0604020202020204" charset="0"/>
       <p:regular r:id="rId20"/>
       <p:bold r:id="rId21"/>
+      <p:italic r:id="rId22"/>
+      <p:boldItalic r:id="rId23"/>
     </p:embeddedFont>
     <p:embeddedFont>
-      <p:font typeface="Helvetica Neue" panose="020B0604020202020204" charset="0"/>
-      <p:regular r:id="rId22"/>
-      <p:bold r:id="rId23"/>
-      <p:italic r:id="rId24"/>
-      <p:boldItalic r:id="rId25"/>
+      <p:font typeface="맑은 고딕" panose="020B0503020000020004" pitchFamily="50" charset="-127"/>
+      <p:regular r:id="rId24"/>
+      <p:bold r:id="rId25"/>
     </p:embeddedFont>
   </p:embeddedFontLst>
   <p:defaultTextStyle>
@@ -15157,19 +15157,7 @@
                 <a:cs typeface="Verdana"/>
                 <a:sym typeface="Verdana"/>
               </a:rPr>
-              <a:t> </a:t>
-            </a:r>
-            <a:r>
-              <a:rPr lang="en-US" sz="15300" b="1" i="0" u="none" strike="noStrike" cap="none" dirty="0" smtClean="0">
-                <a:solidFill>
-                  <a:schemeClr val="accent1"/>
-                </a:solidFill>
-                <a:latin typeface="Verdana"/>
-                <a:ea typeface="Verdana"/>
-                <a:cs typeface="Verdana"/>
-                <a:sym typeface="Verdana"/>
-              </a:rPr>
-              <a:t>07</a:t>
+              <a:t> 07</a:t>
             </a:r>
             <a:endParaRPr sz="7200" dirty="0"/>
           </a:p>
@@ -17653,14 +17641,6 @@
                 </a:rPr>
                 <a:t>Execute the CRUD related examples(At least 5 for each)</a:t>
               </a:r>
-              <a:endParaRPr lang="en-US" altLang="ko-KR" sz="4416" dirty="0" smtClean="0">
-                <a:solidFill>
-                  <a:srgbClr val="838787"/>
-                </a:solidFill>
-                <a:latin typeface="Verdana"/>
-                <a:ea typeface="Verdana"/>
-                <a:sym typeface="Verdana"/>
-              </a:endParaRPr>
             </a:p>
             <a:p>
               <a:pPr lvl="0">
@@ -18351,27 +18331,30 @@
                   <a:ea typeface="Verdana"/>
                   <a:sym typeface="Verdana"/>
                 </a:rPr>
-                <a:t>Two ways to create and run a thread</a:t>
+                <a:t>Able to compose and understand </a:t>
               </a:r>
-            </a:p>
-            <a:p>
-              <a:pPr marL="584200" marR="0" lvl="0" indent="-584200" algn="l" rtl="0">
-                <a:lnSpc>
-                  <a:spcPct val="100000"/>
-                </a:lnSpc>
-                <a:spcBef>
-                  <a:spcPts val="0"/>
-                </a:spcBef>
-                <a:spcAft>
-                  <a:spcPts val="0"/>
-                </a:spcAft>
-                <a:buClr>
-                  <a:srgbClr val="838787"/>
-                </a:buClr>
-                <a:buSzPts val="4637"/>
-                <a:buFont typeface="Avenir"/>
-                <a:buChar char="▸"/>
-              </a:pPr>
+              <a:r>
+                <a:rPr lang="en-US" altLang="ko-KR" sz="4416" smtClean="0">
+                  <a:solidFill>
+                    <a:srgbClr val="838787"/>
+                  </a:solidFill>
+                  <a:latin typeface="Verdana"/>
+                  <a:ea typeface="Verdana"/>
+                  <a:sym typeface="Verdana"/>
+                </a:rPr>
+                <a:t>flow </a:t>
+              </a:r>
+              <a:r>
+                <a:rPr lang="en-US" altLang="ko-KR" sz="4416" smtClean="0">
+                  <a:solidFill>
+                    <a:srgbClr val="838787"/>
+                  </a:solidFill>
+                  <a:latin typeface="Verdana"/>
+                  <a:ea typeface="Verdana"/>
+                  <a:sym typeface="Verdana"/>
+                </a:rPr>
+                <a:t>charts</a:t>
+              </a:r>
               <a:endParaRPr lang="en-US" altLang="ko-KR" sz="4416" dirty="0">
                 <a:solidFill>
                   <a:srgbClr val="838787"/>
@@ -18845,14 +18828,6 @@
                 </a:rPr>
                 <a:t>Able to execute Queries from Java </a:t>
               </a:r>
-              <a:endParaRPr lang="en-US" altLang="ko-KR" sz="4416" dirty="0" smtClean="0">
-                <a:solidFill>
-                  <a:srgbClr val="838787"/>
-                </a:solidFill>
-                <a:latin typeface="Verdana"/>
-                <a:ea typeface="Verdana"/>
-                <a:sym typeface="Verdana"/>
-              </a:endParaRPr>
             </a:p>
             <a:p>
               <a:pPr marL="584200" marR="0" lvl="0" indent="-584200" algn="l" rtl="0">
